--- a/IOS Tutoriál.pptx
+++ b/IOS Tutoriál.pptx
@@ -12,7 +12,8 @@
     <p:sldId id="260" r:id="rId6"/>
     <p:sldId id="261" r:id="rId7"/>
     <p:sldId id="262" r:id="rId8"/>
-    <p:sldId id="264" r:id="rId9"/>
+    <p:sldId id="265" r:id="rId9"/>
+    <p:sldId id="264" r:id="rId10"/>
   </p:sldIdLst>
   <p:sldSz cx="12192000" cy="6858000"/>
   <p:notesSz cx="6858000" cy="9144000"/>
@@ -111,7 +112,49 @@
       </a:defRPr>
     </a:lvl9pPr>
   </p:defaultTextStyle>
+  <p:extLst>
+    <p:ext uri="{EFAFB233-063F-42B5-8137-9DF3F51BA10A}">
+      <p15:sldGuideLst xmlns:p15="http://schemas.microsoft.com/office/powerpoint/2012/main"/>
+    </p:ext>
+  </p:extLst>
 </p:presentation>
+</file>
+
+<file path=ppt/changesInfos/changesInfo1.xml><?xml version="1.0" encoding="utf-8"?>
+<pc:chgInfo xmlns:a="http://schemas.openxmlformats.org/drawingml/2006/main" xmlns:r="http://schemas.openxmlformats.org/officeDocument/2006/relationships" xmlns:ac="http://schemas.microsoft.com/office/drawing/2013/main/command" xmlns:pc="http://schemas.microsoft.com/office/powerpoint/2013/main/command">
+  <pc:docChgLst>
+    <pc:chgData name="Adam Palko" userId="fafa468da1683b03" providerId="LiveId" clId="{F94CF861-621A-4F63-A1FE-38ED2672ED7A}"/>
+    <pc:docChg chg="custSel addSld modSld">
+      <pc:chgData name="Adam Palko" userId="fafa468da1683b03" providerId="LiveId" clId="{F94CF861-621A-4F63-A1FE-38ED2672ED7A}" dt="2025-01-15T15:34:58.096" v="142" actId="20577"/>
+      <pc:docMkLst>
+        <pc:docMk/>
+      </pc:docMkLst>
+      <pc:sldChg chg="modSp new mod">
+        <pc:chgData name="Adam Palko" userId="fafa468da1683b03" providerId="LiveId" clId="{F94CF861-621A-4F63-A1FE-38ED2672ED7A}" dt="2025-01-15T15:34:58.096" v="142" actId="20577"/>
+        <pc:sldMkLst>
+          <pc:docMk/>
+          <pc:sldMk cId="978373932" sldId="265"/>
+        </pc:sldMkLst>
+        <pc:spChg chg="mod">
+          <ac:chgData name="Adam Palko" userId="fafa468da1683b03" providerId="LiveId" clId="{F94CF861-621A-4F63-A1FE-38ED2672ED7A}" dt="2025-01-15T15:23:19.953" v="10" actId="20577"/>
+          <ac:spMkLst>
+            <pc:docMk/>
+            <pc:sldMk cId="978373932" sldId="265"/>
+            <ac:spMk id="2" creationId="{581DD27D-93B2-877D-EB0F-8B282DBFA82D}"/>
+          </ac:spMkLst>
+        </pc:spChg>
+        <pc:spChg chg="mod">
+          <ac:chgData name="Adam Palko" userId="fafa468da1683b03" providerId="LiveId" clId="{F94CF861-621A-4F63-A1FE-38ED2672ED7A}" dt="2025-01-15T15:34:58.096" v="142" actId="20577"/>
+          <ac:spMkLst>
+            <pc:docMk/>
+            <pc:sldMk cId="978373932" sldId="265"/>
+            <ac:spMk id="3" creationId="{8727E4F9-6E17-BCAA-CFC1-377F2AD70842}"/>
+          </ac:spMkLst>
+        </pc:spChg>
+      </pc:sldChg>
+    </pc:docChg>
+  </pc:docChgLst>
+</pc:chgInfo>
 </file>
 
 <file path=ppt/slideLayouts/slideLayout1.xml><?xml version="1.0" encoding="utf-8"?>
@@ -300,7 +343,7 @@
           <a:p>
             <a:fld id="{4AAD347D-5ACD-4C99-B74B-A9C85AD731AF}" type="datetimeFigureOut">
               <a:rPr lang="en-US" dirty="0"/>
-              <a:t>1/14/2025</a:t>
+              <a:t>1/15/2025</a:t>
             </a:fld>
             <a:endParaRPr lang="en-US" dirty="0"/>
           </a:p>
@@ -570,7 +613,7 @@
           <a:p>
             <a:fld id="{4509A250-FF31-4206-8172-F9D3106AACB1}" type="datetimeFigureOut">
               <a:rPr lang="en-US" dirty="0"/>
-              <a:t>1/14/2025</a:t>
+              <a:t>1/15/2025</a:t>
             </a:fld>
             <a:endParaRPr lang="en-US" dirty="0"/>
           </a:p>
@@ -759,7 +802,7 @@
           <a:p>
             <a:fld id="{4509A250-FF31-4206-8172-F9D3106AACB1}" type="datetimeFigureOut">
               <a:rPr lang="en-US" dirty="0"/>
-              <a:t>1/14/2025</a:t>
+              <a:t>1/15/2025</a:t>
             </a:fld>
             <a:endParaRPr lang="en-US" dirty="0"/>
           </a:p>
@@ -1027,7 +1070,7 @@
           <a:p>
             <a:fld id="{4509A250-FF31-4206-8172-F9D3106AACB1}" type="datetimeFigureOut">
               <a:rPr lang="en-US" dirty="0"/>
-              <a:t>1/14/2025</a:t>
+              <a:t>1/15/2025</a:t>
             </a:fld>
             <a:endParaRPr lang="en-US" dirty="0"/>
           </a:p>
@@ -1363,7 +1406,7 @@
           <a:p>
             <a:fld id="{4509A250-FF31-4206-8172-F9D3106AACB1}" type="datetimeFigureOut">
               <a:rPr lang="en-US" dirty="0"/>
-              <a:t>1/14/2025</a:t>
+              <a:t>1/15/2025</a:t>
             </a:fld>
             <a:endParaRPr lang="en-US" dirty="0"/>
           </a:p>
@@ -1981,7 +2024,7 @@
           <a:p>
             <a:fld id="{4509A250-FF31-4206-8172-F9D3106AACB1}" type="datetimeFigureOut">
               <a:rPr lang="en-US" dirty="0"/>
-              <a:t>1/14/2025</a:t>
+              <a:t>1/15/2025</a:t>
             </a:fld>
             <a:endParaRPr lang="en-US" dirty="0"/>
           </a:p>
@@ -2836,7 +2879,7 @@
           <a:p>
             <a:fld id="{4509A250-FF31-4206-8172-F9D3106AACB1}" type="datetimeFigureOut">
               <a:rPr lang="en-US" dirty="0"/>
-              <a:t>1/14/2025</a:t>
+              <a:t>1/15/2025</a:t>
             </a:fld>
             <a:endParaRPr lang="en-US" dirty="0"/>
           </a:p>
@@ -3001,7 +3044,7 @@
           <a:p>
             <a:fld id="{4509A250-FF31-4206-8172-F9D3106AACB1}" type="datetimeFigureOut">
               <a:rPr lang="en-US" dirty="0"/>
-              <a:t>1/14/2025</a:t>
+              <a:t>1/15/2025</a:t>
             </a:fld>
             <a:endParaRPr lang="en-US" dirty="0"/>
           </a:p>
@@ -3176,7 +3219,7 @@
           <a:p>
             <a:fld id="{4509A250-FF31-4206-8172-F9D3106AACB1}" type="datetimeFigureOut">
               <a:rPr lang="en-US" dirty="0"/>
-              <a:t>1/14/2025</a:t>
+              <a:t>1/15/2025</a:t>
             </a:fld>
             <a:endParaRPr lang="en-US" dirty="0"/>
           </a:p>
@@ -3341,7 +3384,7 @@
           <a:p>
             <a:fld id="{4509A250-FF31-4206-8172-F9D3106AACB1}" type="datetimeFigureOut">
               <a:rPr lang="en-US" dirty="0"/>
-              <a:t>1/14/2025</a:t>
+              <a:t>1/15/2025</a:t>
             </a:fld>
             <a:endParaRPr lang="en-US" dirty="0"/>
           </a:p>
@@ -3583,7 +3626,7 @@
           <a:p>
             <a:fld id="{9796027F-7875-4030-9381-8BD8C4F21935}" type="datetimeFigureOut">
               <a:rPr lang="en-US" dirty="0"/>
-              <a:t>1/14/2025</a:t>
+              <a:t>1/15/2025</a:t>
             </a:fld>
             <a:endParaRPr lang="en-US" dirty="0"/>
           </a:p>
@@ -3870,7 +3913,7 @@
           <a:p>
             <a:fld id="{9796027F-7875-4030-9381-8BD8C4F21935}" type="datetimeFigureOut">
               <a:rPr lang="en-US" dirty="0"/>
-              <a:t>1/14/2025</a:t>
+              <a:t>1/15/2025</a:t>
             </a:fld>
             <a:endParaRPr lang="en-US" dirty="0"/>
           </a:p>
@@ -4309,7 +4352,7 @@
           <a:p>
             <a:fld id="{9796027F-7875-4030-9381-8BD8C4F21935}" type="datetimeFigureOut">
               <a:rPr lang="en-US" dirty="0"/>
-              <a:t>1/14/2025</a:t>
+              <a:t>1/15/2025</a:t>
             </a:fld>
             <a:endParaRPr lang="en-US" dirty="0"/>
           </a:p>
@@ -4422,7 +4465,7 @@
           <a:p>
             <a:fld id="{4509A250-FF31-4206-8172-F9D3106AACB1}" type="datetimeFigureOut">
               <a:rPr lang="en-US" dirty="0"/>
-              <a:t>1/14/2025</a:t>
+              <a:t>1/15/2025</a:t>
             </a:fld>
             <a:endParaRPr lang="en-US" dirty="0"/>
           </a:p>
@@ -4512,7 +4555,7 @@
           <a:p>
             <a:fld id="{4509A250-FF31-4206-8172-F9D3106AACB1}" type="datetimeFigureOut">
               <a:rPr lang="en-US" dirty="0"/>
-              <a:t>1/14/2025</a:t>
+              <a:t>1/15/2025</a:t>
             </a:fld>
             <a:endParaRPr lang="en-US" dirty="0"/>
           </a:p>
@@ -4786,7 +4829,7 @@
           <a:p>
             <a:fld id="{4509A250-FF31-4206-8172-F9D3106AACB1}" type="datetimeFigureOut">
               <a:rPr lang="en-US" dirty="0"/>
-              <a:t>1/14/2025</a:t>
+              <a:t>1/15/2025</a:t>
             </a:fld>
             <a:endParaRPr lang="en-US" dirty="0"/>
           </a:p>
@@ -5056,7 +5099,7 @@
           <a:p>
             <a:fld id="{4509A250-FF31-4206-8172-F9D3106AACB1}" type="datetimeFigureOut">
               <a:rPr lang="en-US" dirty="0"/>
-              <a:t>1/14/2025</a:t>
+              <a:t>1/15/2025</a:t>
             </a:fld>
             <a:endParaRPr lang="en-US" dirty="0"/>
           </a:p>
@@ -5480,7 +5523,7 @@
           <a:p>
             <a:fld id="{4AAD347D-5ACD-4C99-B74B-A9C85AD731AF}" type="datetimeFigureOut">
               <a:rPr lang="en-US" dirty="0"/>
-              <a:t>1/14/2025</a:t>
+              <a:t>1/15/2025</a:t>
             </a:fld>
             <a:endParaRPr lang="en-US" dirty="0"/>
           </a:p>
@@ -8214,6 +8257,250 @@
   <p:cSld>
     <p:spTree>
       <p:nvGrpSpPr>
+        <p:cNvPr id="1" name=""/>
+        <p:cNvGrpSpPr/>
+        <p:nvPr/>
+      </p:nvGrpSpPr>
+      <p:grpSpPr>
+        <a:xfrm>
+          <a:off x="0" y="0"/>
+          <a:ext cx="0" cy="0"/>
+          <a:chOff x="0" y="0"/>
+          <a:chExt cx="0" cy="0"/>
+        </a:xfrm>
+      </p:grpSpPr>
+      <p:sp>
+        <p:nvSpPr>
+          <p:cNvPr id="2" name="Nadpis 1">
+            <a:extLst>
+              <a:ext uri="{FF2B5EF4-FFF2-40B4-BE49-F238E27FC236}">
+                <a16:creationId xmlns:a16="http://schemas.microsoft.com/office/drawing/2014/main" id="{581DD27D-93B2-877D-EB0F-8B282DBFA82D}"/>
+              </a:ext>
+            </a:extLst>
+          </p:cNvPr>
+          <p:cNvSpPr>
+            <a:spLocks noGrp="1"/>
+          </p:cNvSpPr>
+          <p:nvPr>
+            <p:ph type="title"/>
+          </p:nvPr>
+        </p:nvSpPr>
+        <p:spPr/>
+        <p:txBody>
+          <a:bodyPr/>
+          <a:lstStyle/>
+          <a:p>
+            <a:pPr algn="ctr"/>
+            <a:r>
+              <a:rPr lang="sk-SK" dirty="0"/>
+              <a:t>Príkazy</a:t>
+            </a:r>
+          </a:p>
+        </p:txBody>
+      </p:sp>
+      <p:sp>
+        <p:nvSpPr>
+          <p:cNvPr id="3" name="Zástupný objekt pre obsah 2">
+            <a:extLst>
+              <a:ext uri="{FF2B5EF4-FFF2-40B4-BE49-F238E27FC236}">
+                <a16:creationId xmlns:a16="http://schemas.microsoft.com/office/drawing/2014/main" id="{8727E4F9-6E17-BCAA-CFC1-377F2AD70842}"/>
+              </a:ext>
+            </a:extLst>
+          </p:cNvPr>
+          <p:cNvSpPr>
+            <a:spLocks noGrp="1"/>
+          </p:cNvSpPr>
+          <p:nvPr>
+            <p:ph idx="1"/>
+          </p:nvPr>
+        </p:nvSpPr>
+        <p:spPr/>
+        <p:txBody>
+          <a:bodyPr>
+            <a:normAutofit/>
+          </a:bodyPr>
+          <a:lstStyle/>
+          <a:p>
+            <a:pPr marL="0" indent="0">
+              <a:buNone/>
+            </a:pPr>
+            <a:r>
+              <a:rPr lang="pl-PL" sz="1800" dirty="0">
+                <a:latin typeface="Aptos" panose="020B0004020202020204" pitchFamily="34" charset="0"/>
+              </a:rPr>
+              <a:t>Vysvetlenie viacerých užitočných príkazov:</a:t>
+            </a:r>
+          </a:p>
+          <a:p>
+            <a:r>
+              <a:rPr lang="pl-PL" sz="1800" b="1" dirty="0">
+                <a:latin typeface="Aptos" panose="020B0004020202020204" pitchFamily="34" charset="0"/>
+              </a:rPr>
+              <a:t>ip address -</a:t>
+            </a:r>
+            <a:r>
+              <a:rPr lang="pl-PL" sz="1800" dirty="0">
+                <a:latin typeface="Aptos" panose="020B0004020202020204" pitchFamily="34" charset="0"/>
+              </a:rPr>
+              <a:t> Nastavenie IP adresy pre rozhranie</a:t>
+            </a:r>
+          </a:p>
+          <a:p>
+            <a:r>
+              <a:rPr lang="sk-SK" sz="1800" b="1" dirty="0">
+                <a:latin typeface="Aptos" panose="020B0004020202020204" pitchFamily="34" charset="0"/>
+              </a:rPr>
+              <a:t>no </a:t>
+            </a:r>
+            <a:r>
+              <a:rPr lang="sk-SK" sz="1800" b="1" dirty="0" err="1">
+                <a:latin typeface="Aptos" panose="020B0004020202020204" pitchFamily="34" charset="0"/>
+              </a:rPr>
+              <a:t>shutdown</a:t>
+            </a:r>
+            <a:r>
+              <a:rPr lang="sk-SK" sz="1800" b="1" dirty="0">
+                <a:latin typeface="Aptos" panose="020B0004020202020204" pitchFamily="34" charset="0"/>
+              </a:rPr>
+              <a:t> -</a:t>
+            </a:r>
+            <a:r>
+              <a:rPr lang="sk-SK" sz="1800" dirty="0">
+                <a:latin typeface="Aptos" panose="020B0004020202020204" pitchFamily="34" charset="0"/>
+              </a:rPr>
+              <a:t> Aktivácia rozhrania</a:t>
+            </a:r>
+          </a:p>
+          <a:p>
+            <a:r>
+              <a:rPr lang="sk-SK" sz="1600" b="1" dirty="0" err="1">
+                <a:latin typeface="Aptos" panose="020B0004020202020204" pitchFamily="34" charset="0"/>
+              </a:rPr>
+              <a:t>reload</a:t>
+            </a:r>
+            <a:r>
+              <a:rPr lang="sk-SK" sz="1600" b="1" dirty="0">
+                <a:latin typeface="Aptos" panose="020B0004020202020204" pitchFamily="34" charset="0"/>
+              </a:rPr>
+              <a:t> -</a:t>
+            </a:r>
+            <a:r>
+              <a:rPr lang="sk-SK" sz="1600" dirty="0">
+                <a:latin typeface="Aptos" panose="020B0004020202020204" pitchFamily="34" charset="0"/>
+              </a:rPr>
+              <a:t> Reštartovanie zariadenia</a:t>
+            </a:r>
+            <a:endParaRPr lang="sk-SK" sz="1800" dirty="0">
+              <a:latin typeface="Aptos" panose="020B0004020202020204" pitchFamily="34" charset="0"/>
+            </a:endParaRPr>
+          </a:p>
+          <a:p>
+            <a:r>
+              <a:rPr lang="sk-SK" sz="1600" b="1" dirty="0">
+                <a:latin typeface="Aptos" panose="020B0004020202020204" pitchFamily="34" charset="0"/>
+              </a:rPr>
+              <a:t>show </a:t>
+            </a:r>
+            <a:r>
+              <a:rPr lang="sk-SK" sz="1600" b="1" dirty="0" err="1">
+                <a:latin typeface="Aptos" panose="020B0004020202020204" pitchFamily="34" charset="0"/>
+              </a:rPr>
+              <a:t>running-config</a:t>
+            </a:r>
+            <a:r>
+              <a:rPr lang="sk-SK" sz="1600" b="1" dirty="0">
+                <a:latin typeface="Aptos" panose="020B0004020202020204" pitchFamily="34" charset="0"/>
+              </a:rPr>
+              <a:t> -</a:t>
+            </a:r>
+            <a:r>
+              <a:rPr lang="sk-SK" sz="1600" dirty="0">
+                <a:latin typeface="Aptos" panose="020B0004020202020204" pitchFamily="34" charset="0"/>
+              </a:rPr>
+              <a:t> Zobrazenie aktuálnej konfigurácie</a:t>
+            </a:r>
+          </a:p>
+          <a:p>
+            <a:r>
+              <a:rPr lang="sk-SK" sz="1600" b="1" dirty="0">
+                <a:latin typeface="Aptos" panose="020B0004020202020204" pitchFamily="34" charset="0"/>
+              </a:rPr>
+              <a:t>show </a:t>
+            </a:r>
+            <a:r>
+              <a:rPr lang="sk-SK" sz="1600" b="1" dirty="0" err="1">
+                <a:latin typeface="Aptos" panose="020B0004020202020204" pitchFamily="34" charset="0"/>
+              </a:rPr>
+              <a:t>ip</a:t>
+            </a:r>
+            <a:r>
+              <a:rPr lang="sk-SK" sz="1600" b="1" dirty="0">
+                <a:latin typeface="Aptos" panose="020B0004020202020204" pitchFamily="34" charset="0"/>
+              </a:rPr>
+              <a:t> interface </a:t>
+            </a:r>
+            <a:r>
+              <a:rPr lang="sk-SK" sz="1600" b="1" dirty="0" err="1">
+                <a:latin typeface="Aptos" panose="020B0004020202020204" pitchFamily="34" charset="0"/>
+              </a:rPr>
+              <a:t>brief</a:t>
+            </a:r>
+            <a:r>
+              <a:rPr lang="sk-SK" sz="1600" b="1" dirty="0">
+                <a:latin typeface="Aptos" panose="020B0004020202020204" pitchFamily="34" charset="0"/>
+              </a:rPr>
+              <a:t> -</a:t>
+            </a:r>
+            <a:r>
+              <a:rPr lang="sk-SK" sz="1600" dirty="0">
+                <a:latin typeface="Aptos" panose="020B0004020202020204" pitchFamily="34" charset="0"/>
+              </a:rPr>
+              <a:t> Zobrazenie stručného prehľadu IP konfigurácie rozhraní</a:t>
+            </a:r>
+          </a:p>
+          <a:p>
+            <a:r>
+              <a:rPr lang="sk-SK" sz="1600" b="1" dirty="0" err="1">
+                <a:latin typeface="Aptos" panose="020B0004020202020204" pitchFamily="34" charset="0"/>
+              </a:rPr>
+              <a:t>hostname</a:t>
+            </a:r>
+            <a:r>
+              <a:rPr lang="sk-SK" sz="1600" b="1" dirty="0">
+                <a:latin typeface="Aptos" panose="020B0004020202020204" pitchFamily="34" charset="0"/>
+              </a:rPr>
+              <a:t> -</a:t>
+            </a:r>
+            <a:r>
+              <a:rPr lang="sk-SK" sz="1600" dirty="0">
+                <a:latin typeface="Aptos" panose="020B0004020202020204" pitchFamily="34" charset="0"/>
+              </a:rPr>
+              <a:t> Nastavenie názvu zariadenia</a:t>
+            </a:r>
+            <a:endParaRPr lang="sk-SK" sz="1800" dirty="0">
+              <a:latin typeface="Aptos" panose="020B0004020202020204" pitchFamily="34" charset="0"/>
+            </a:endParaRPr>
+          </a:p>
+        </p:txBody>
+      </p:sp>
+    </p:spTree>
+    <p:extLst>
+      <p:ext uri="{BB962C8B-B14F-4D97-AF65-F5344CB8AC3E}">
+        <p14:creationId xmlns:p14="http://schemas.microsoft.com/office/powerpoint/2010/main" val="978373932"/>
+      </p:ext>
+    </p:extLst>
+  </p:cSld>
+  <p:clrMapOvr>
+    <a:masterClrMapping/>
+  </p:clrMapOvr>
+</p:sld>
+</file>
+
+<file path=ppt/slides/slide9.xml><?xml version="1.0" encoding="utf-8"?>
+<p:sld xmlns:a="http://schemas.openxmlformats.org/drawingml/2006/main" xmlns:r="http://schemas.openxmlformats.org/officeDocument/2006/relationships" xmlns:p="http://schemas.openxmlformats.org/presentationml/2006/main">
+  <p:cSld>
+    <p:spTree>
+      <p:nvGrpSpPr>
         <p:cNvPr id="1" name="">
           <a:extLst>
             <a:ext uri="{FF2B5EF4-FFF2-40B4-BE49-F238E27FC236}">
